--- a/TG2.Sergio Sanz.pptx
+++ b/TG2.Sergio Sanz.pptx
@@ -7,7 +7,8 @@
   <p:sldIdLst>
     <p:sldId id="256" r:id="rId2"/>
     <p:sldId id="257" r:id="rId3"/>
-    <p:sldId id="258" r:id="rId4"/>
+    <p:sldId id="259" r:id="rId4"/>
+    <p:sldId id="258" r:id="rId5"/>
   </p:sldIdLst>
   <p:sldSz cx="12192000" cy="6858000"/>
   <p:notesSz cx="6858000" cy="9144000"/>
@@ -3030,7 +3031,7 @@
         </p:nvSpPr>
         <p:spPr>
           <a:xfrm>
-            <a:off x="6332220" y="2138998"/>
+            <a:off x="5210468" y="1817045"/>
             <a:ext cx="1031821" cy="461665"/>
           </a:xfrm>
           <a:prstGeom prst="rect">
@@ -3060,7 +3061,7 @@
         </p:nvSpPr>
         <p:spPr>
           <a:xfrm>
-            <a:off x="4640580" y="4480560"/>
+            <a:off x="4953471" y="4326011"/>
             <a:ext cx="1048685" cy="461665"/>
           </a:xfrm>
           <a:prstGeom prst="rect">
@@ -3082,6 +3083,246 @@
           </a:p>
         </p:txBody>
       </p:sp>
+      <p:pic>
+        <p:nvPicPr>
+          <p:cNvPr id="9" name="Imagen 8"/>
+          <p:cNvPicPr>
+            <a:picLocks noChangeAspect="1"/>
+          </p:cNvPicPr>
+          <p:nvPr/>
+        </p:nvPicPr>
+        <p:blipFill>
+          <a:blip r:embed="rId2">
+            <a:extLst>
+              <a:ext uri="{28A0092B-C50C-407E-A947-70E740481C1C}">
+                <a14:useLocalDpi xmlns:a14="http://schemas.microsoft.com/office/drawing/2010/main" val="0"/>
+              </a:ext>
+            </a:extLst>
+          </a:blip>
+          <a:stretch>
+            <a:fillRect/>
+          </a:stretch>
+        </p:blipFill>
+        <p:spPr>
+          <a:xfrm>
+            <a:off x="450761" y="2941309"/>
+            <a:ext cx="1073239" cy="1073239"/>
+          </a:xfrm>
+          <a:prstGeom prst="rect">
+            <a:avLst/>
+          </a:prstGeom>
+        </p:spPr>
+      </p:pic>
+      <p:pic>
+        <p:nvPicPr>
+          <p:cNvPr id="10" name="Imagen 9"/>
+          <p:cNvPicPr>
+            <a:picLocks noChangeAspect="1"/>
+          </p:cNvPicPr>
+          <p:nvPr/>
+        </p:nvPicPr>
+        <p:blipFill>
+          <a:blip r:embed="rId3" cstate="print">
+            <a:extLst>
+              <a:ext uri="{28A0092B-C50C-407E-A947-70E740481C1C}">
+                <a14:useLocalDpi xmlns:a14="http://schemas.microsoft.com/office/drawing/2010/main" val="0"/>
+              </a:ext>
+            </a:extLst>
+          </a:blip>
+          <a:stretch>
+            <a:fillRect/>
+          </a:stretch>
+        </p:blipFill>
+        <p:spPr>
+          <a:xfrm>
+            <a:off x="1603361" y="2825775"/>
+            <a:ext cx="1060478" cy="1060478"/>
+          </a:xfrm>
+          <a:prstGeom prst="rect">
+            <a:avLst/>
+          </a:prstGeom>
+        </p:spPr>
+      </p:pic>
+      <p:pic>
+        <p:nvPicPr>
+          <p:cNvPr id="11" name="Imagen 10"/>
+          <p:cNvPicPr>
+            <a:picLocks noChangeAspect="1"/>
+          </p:cNvPicPr>
+          <p:nvPr/>
+        </p:nvPicPr>
+        <p:blipFill>
+          <a:blip r:embed="rId4">
+            <a:extLst>
+              <a:ext uri="{28A0092B-C50C-407E-A947-70E740481C1C}">
+                <a14:useLocalDpi xmlns:a14="http://schemas.microsoft.com/office/drawing/2010/main" val="0"/>
+              </a:ext>
+            </a:extLst>
+          </a:blip>
+          <a:stretch>
+            <a:fillRect/>
+          </a:stretch>
+        </p:blipFill>
+        <p:spPr>
+          <a:xfrm>
+            <a:off x="2743200" y="2722250"/>
+            <a:ext cx="1267528" cy="1267528"/>
+          </a:xfrm>
+          <a:prstGeom prst="rect">
+            <a:avLst/>
+          </a:prstGeom>
+        </p:spPr>
+      </p:pic>
+      <p:sp>
+        <p:nvSpPr>
+          <p:cNvPr id="12" name="CuadroTexto 11"/>
+          <p:cNvSpPr txBox="1"/>
+          <p:nvPr/>
+        </p:nvSpPr>
+        <p:spPr>
+          <a:xfrm>
+            <a:off x="5104889" y="2565751"/>
+            <a:ext cx="1407180" cy="369332"/>
+          </a:xfrm>
+          <a:prstGeom prst="rect">
+            <a:avLst/>
+          </a:prstGeom>
+          <a:noFill/>
+        </p:spPr>
+        <p:txBody>
+          <a:bodyPr wrap="none" rtlCol="0">
+            <a:spAutoFit/>
+          </a:bodyPr>
+          <a:lstStyle/>
+          <a:p>
+            <a:r>
+              <a:rPr lang="es-ES" dirty="0" smtClean="0"/>
+              <a:t>Hasta 5,000€</a:t>
+            </a:r>
+            <a:endParaRPr lang="es-ES" dirty="0"/>
+          </a:p>
+        </p:txBody>
+      </p:sp>
+      <p:pic>
+        <p:nvPicPr>
+          <p:cNvPr id="13" name="Imagen 12"/>
+          <p:cNvPicPr>
+            <a:picLocks noChangeAspect="1"/>
+          </p:cNvPicPr>
+          <p:nvPr/>
+        </p:nvPicPr>
+        <p:blipFill>
+          <a:blip r:embed="rId5" cstate="print">
+            <a:extLst>
+              <a:ext uri="{28A0092B-C50C-407E-A947-70E740481C1C}">
+                <a14:useLocalDpi xmlns:a14="http://schemas.microsoft.com/office/drawing/2010/main" val="0"/>
+              </a:ext>
+            </a:extLst>
+          </a:blip>
+          <a:stretch>
+            <a:fillRect/>
+          </a:stretch>
+        </p:blipFill>
+        <p:spPr>
+          <a:xfrm>
+            <a:off x="4533033" y="5017960"/>
+            <a:ext cx="1709256" cy="816170"/>
+          </a:xfrm>
+          <a:prstGeom prst="rect">
+            <a:avLst/>
+          </a:prstGeom>
+        </p:spPr>
+      </p:pic>
+      <p:sp>
+        <p:nvSpPr>
+          <p:cNvPr id="14" name="CuadroTexto 13"/>
+          <p:cNvSpPr txBox="1"/>
+          <p:nvPr/>
+        </p:nvSpPr>
+        <p:spPr>
+          <a:xfrm>
+            <a:off x="9583151" y="1678545"/>
+            <a:ext cx="1207959" cy="461665"/>
+          </a:xfrm>
+          <a:prstGeom prst="rect">
+            <a:avLst/>
+          </a:prstGeom>
+          <a:noFill/>
+        </p:spPr>
+        <p:txBody>
+          <a:bodyPr wrap="none" rtlCol="0">
+            <a:spAutoFit/>
+          </a:bodyPr>
+          <a:lstStyle/>
+          <a:p>
+            <a:r>
+              <a:rPr lang="es-ES" sz="2400" dirty="0" smtClean="0"/>
+              <a:t>Interfaz </a:t>
+            </a:r>
+            <a:endParaRPr lang="es-ES" sz="2400" dirty="0"/>
+          </a:p>
+        </p:txBody>
+      </p:sp>
+      <p:pic>
+        <p:nvPicPr>
+          <p:cNvPr id="15" name="Imagen 14"/>
+          <p:cNvPicPr>
+            <a:picLocks noChangeAspect="1"/>
+          </p:cNvPicPr>
+          <p:nvPr/>
+        </p:nvPicPr>
+        <p:blipFill>
+          <a:blip r:embed="rId6" cstate="print">
+            <a:extLst>
+              <a:ext uri="{28A0092B-C50C-407E-A947-70E740481C1C}">
+                <a14:useLocalDpi xmlns:a14="http://schemas.microsoft.com/office/drawing/2010/main" val="0"/>
+              </a:ext>
+            </a:extLst>
+          </a:blip>
+          <a:stretch>
+            <a:fillRect/>
+          </a:stretch>
+        </p:blipFill>
+        <p:spPr>
+          <a:xfrm>
+            <a:off x="7268121" y="2565751"/>
+            <a:ext cx="2436941" cy="1523088"/>
+          </a:xfrm>
+          <a:prstGeom prst="rect">
+            <a:avLst/>
+          </a:prstGeom>
+        </p:spPr>
+      </p:pic>
+      <p:pic>
+        <p:nvPicPr>
+          <p:cNvPr id="16" name="Imagen 15"/>
+          <p:cNvPicPr>
+            <a:picLocks noChangeAspect="1"/>
+          </p:cNvPicPr>
+          <p:nvPr/>
+        </p:nvPicPr>
+        <p:blipFill>
+          <a:blip r:embed="rId7" cstate="print">
+            <a:extLst>
+              <a:ext uri="{28A0092B-C50C-407E-A947-70E740481C1C}">
+                <a14:useLocalDpi xmlns:a14="http://schemas.microsoft.com/office/drawing/2010/main" val="0"/>
+              </a:ext>
+            </a:extLst>
+          </a:blip>
+          <a:stretch>
+            <a:fillRect/>
+          </a:stretch>
+        </p:blipFill>
+        <p:spPr>
+          <a:xfrm>
+            <a:off x="9858072" y="2538682"/>
+            <a:ext cx="2398118" cy="1498824"/>
+          </a:xfrm>
+          <a:prstGeom prst="rect">
+            <a:avLst/>
+          </a:prstGeom>
+        </p:spPr>
+      </p:pic>
     </p:spTree>
     <p:extLst>
       <p:ext uri="{BB962C8B-B14F-4D97-AF65-F5344CB8AC3E}">
@@ -3092,6 +3333,13 @@
   <p:clrMapOvr>
     <a:masterClrMapping/>
   </p:clrMapOvr>
+  <p:timing>
+    <p:tnLst>
+      <p:par>
+        <p:cTn id="1" dur="indefinite" restart="never" nodeType="tmRoot"/>
+      </p:par>
+    </p:tnLst>
+  </p:timing>
 </p:sld>
 </file>
 
@@ -3204,7 +3452,7 @@
         </p:nvSpPr>
         <p:spPr>
           <a:xfrm>
-            <a:off x="4846320" y="4457700"/>
+            <a:off x="4897836" y="4217670"/>
             <a:ext cx="2171700" cy="480060"/>
           </a:xfrm>
           <a:prstGeom prst="rect">
@@ -3226,6 +3474,126 @@
           </a:p>
         </p:txBody>
       </p:sp>
+      <p:pic>
+        <p:nvPicPr>
+          <p:cNvPr id="6" name="Imagen 5"/>
+          <p:cNvPicPr>
+            <a:picLocks noChangeAspect="1"/>
+          </p:cNvPicPr>
+          <p:nvPr/>
+        </p:nvPicPr>
+        <p:blipFill>
+          <a:blip r:embed="rId2">
+            <a:extLst>
+              <a:ext uri="{28A0092B-C50C-407E-A947-70E740481C1C}">
+                <a14:useLocalDpi xmlns:a14="http://schemas.microsoft.com/office/drawing/2010/main" val="0"/>
+              </a:ext>
+            </a:extLst>
+          </a:blip>
+          <a:stretch>
+            <a:fillRect/>
+          </a:stretch>
+        </p:blipFill>
+        <p:spPr>
+          <a:xfrm>
+            <a:off x="7514098" y="2555997"/>
+            <a:ext cx="1905000" cy="1905000"/>
+          </a:xfrm>
+          <a:prstGeom prst="rect">
+            <a:avLst/>
+          </a:prstGeom>
+        </p:spPr>
+      </p:pic>
+      <p:pic>
+        <p:nvPicPr>
+          <p:cNvPr id="7" name="Imagen 6"/>
+          <p:cNvPicPr>
+            <a:picLocks noChangeAspect="1"/>
+          </p:cNvPicPr>
+          <p:nvPr/>
+        </p:nvPicPr>
+        <p:blipFill>
+          <a:blip r:embed="rId3" cstate="print">
+            <a:extLst>
+              <a:ext uri="{28A0092B-C50C-407E-A947-70E740481C1C}">
+                <a14:useLocalDpi xmlns:a14="http://schemas.microsoft.com/office/drawing/2010/main" val="0"/>
+              </a:ext>
+            </a:extLst>
+          </a:blip>
+          <a:stretch>
+            <a:fillRect/>
+          </a:stretch>
+        </p:blipFill>
+        <p:spPr>
+          <a:xfrm>
+            <a:off x="1364194" y="2664182"/>
+            <a:ext cx="2033548" cy="2033548"/>
+          </a:xfrm>
+          <a:prstGeom prst="rect">
+            <a:avLst/>
+          </a:prstGeom>
+        </p:spPr>
+      </p:pic>
+      <p:pic>
+        <p:nvPicPr>
+          <p:cNvPr id="8" name="Imagen 7"/>
+          <p:cNvPicPr>
+            <a:picLocks noChangeAspect="1"/>
+          </p:cNvPicPr>
+          <p:nvPr/>
+        </p:nvPicPr>
+        <p:blipFill>
+          <a:blip r:embed="rId4" cstate="print">
+            <a:extLst>
+              <a:ext uri="{28A0092B-C50C-407E-A947-70E740481C1C}">
+                <a14:useLocalDpi xmlns:a14="http://schemas.microsoft.com/office/drawing/2010/main" val="0"/>
+              </a:ext>
+            </a:extLst>
+          </a:blip>
+          <a:stretch>
+            <a:fillRect/>
+          </a:stretch>
+        </p:blipFill>
+        <p:spPr>
+          <a:xfrm>
+            <a:off x="4419949" y="4816699"/>
+            <a:ext cx="1676051" cy="1676051"/>
+          </a:xfrm>
+          <a:prstGeom prst="rect">
+            <a:avLst/>
+          </a:prstGeom>
+        </p:spPr>
+      </p:pic>
+      <p:pic>
+        <p:nvPicPr>
+          <p:cNvPr id="9" name="Imagen 8"/>
+          <p:cNvPicPr>
+            <a:picLocks noChangeAspect="1"/>
+          </p:cNvPicPr>
+          <p:nvPr/>
+        </p:nvPicPr>
+        <p:blipFill>
+          <a:blip r:embed="rId5" cstate="print">
+            <a:extLst>
+              <a:ext uri="{28A0092B-C50C-407E-A947-70E740481C1C}">
+                <a14:useLocalDpi xmlns:a14="http://schemas.microsoft.com/office/drawing/2010/main" val="0"/>
+              </a:ext>
+            </a:extLst>
+          </a:blip>
+          <a:stretch>
+            <a:fillRect/>
+          </a:stretch>
+        </p:blipFill>
+        <p:spPr>
+          <a:xfrm>
+            <a:off x="9863660" y="2975018"/>
+            <a:ext cx="1951650" cy="1242652"/>
+          </a:xfrm>
+          <a:prstGeom prst="rect">
+            <a:avLst/>
+          </a:prstGeom>
+        </p:spPr>
+      </p:pic>
     </p:spTree>
     <p:extLst>
       <p:ext uri="{BB962C8B-B14F-4D97-AF65-F5344CB8AC3E}">
@@ -3273,6 +3641,98 @@
             <p:ph type="title"/>
           </p:nvPr>
         </p:nvSpPr>
+        <p:spPr/>
+        <p:txBody>
+          <a:bodyPr>
+            <a:normAutofit/>
+          </a:bodyPr>
+          <a:lstStyle/>
+          <a:p>
+            <a:pPr algn="ctr"/>
+            <a:r>
+              <a:rPr lang="es-ES" sz="6000" dirty="0" smtClean="0"/>
+              <a:t>Situación 2 </a:t>
+            </a:r>
+            <a:endParaRPr lang="es-ES" sz="6000" dirty="0"/>
+          </a:p>
+        </p:txBody>
+      </p:sp>
+      <p:pic>
+        <p:nvPicPr>
+          <p:cNvPr id="4" name="Marcador de contenido 3"/>
+          <p:cNvPicPr>
+            <a:picLocks noGrp="1" noChangeAspect="1"/>
+          </p:cNvPicPr>
+          <p:nvPr>
+            <p:ph idx="1"/>
+          </p:nvPr>
+        </p:nvPicPr>
+        <p:blipFill>
+          <a:blip r:embed="rId2" cstate="print">
+            <a:extLst>
+              <a:ext uri="{28A0092B-C50C-407E-A947-70E740481C1C}">
+                <a14:useLocalDpi xmlns:a14="http://schemas.microsoft.com/office/drawing/2010/main" val="0"/>
+              </a:ext>
+            </a:extLst>
+          </a:blip>
+          <a:stretch>
+            <a:fillRect/>
+          </a:stretch>
+        </p:blipFill>
+        <p:spPr>
+          <a:xfrm>
+            <a:off x="3169920" y="2172494"/>
+            <a:ext cx="5852160" cy="3657600"/>
+          </a:xfrm>
+        </p:spPr>
+      </p:pic>
+    </p:spTree>
+    <p:extLst>
+      <p:ext uri="{BB962C8B-B14F-4D97-AF65-F5344CB8AC3E}">
+        <p14:creationId xmlns:p14="http://schemas.microsoft.com/office/powerpoint/2010/main" val="2030280591"/>
+      </p:ext>
+    </p:extLst>
+  </p:cSld>
+  <p:clrMapOvr>
+    <a:masterClrMapping/>
+  </p:clrMapOvr>
+  <p:timing>
+    <p:tnLst>
+      <p:par>
+        <p:cTn id="1" dur="indefinite" restart="never" nodeType="tmRoot"/>
+      </p:par>
+    </p:tnLst>
+  </p:timing>
+</p:sld>
+</file>
+
+<file path=ppt/slides/slide4.xml><?xml version="1.0" encoding="utf-8"?>
+<p:sld xmlns:a="http://schemas.openxmlformats.org/drawingml/2006/main" xmlns:r="http://schemas.openxmlformats.org/officeDocument/2006/relationships" xmlns:p="http://schemas.openxmlformats.org/presentationml/2006/main">
+  <p:cSld>
+    <p:spTree>
+      <p:nvGrpSpPr>
+        <p:cNvPr id="1" name=""/>
+        <p:cNvGrpSpPr/>
+        <p:nvPr/>
+      </p:nvGrpSpPr>
+      <p:grpSpPr>
+        <a:xfrm>
+          <a:off x="0" y="0"/>
+          <a:ext cx="0" cy="0"/>
+          <a:chOff x="0" y="0"/>
+          <a:chExt cx="0" cy="0"/>
+        </a:xfrm>
+      </p:grpSpPr>
+      <p:sp>
+        <p:nvSpPr>
+          <p:cNvPr id="2" name="Título 1"/>
+          <p:cNvSpPr>
+            <a:spLocks noGrp="1"/>
+          </p:cNvSpPr>
+          <p:nvPr>
+            <p:ph type="title"/>
+          </p:nvPr>
+        </p:nvSpPr>
         <p:spPr>
           <a:xfrm>
             <a:off x="0" y="0"/>
@@ -3280,14 +3740,17 @@
           </a:xfrm>
         </p:spPr>
         <p:txBody>
-          <a:bodyPr/>
-          <a:lstStyle/>
-          <a:p>
-            <a:r>
-              <a:rPr lang="es-ES" dirty="0" smtClean="0"/>
+          <a:bodyPr>
+            <a:normAutofit/>
+          </a:bodyPr>
+          <a:lstStyle/>
+          <a:p>
+            <a:pPr algn="ctr"/>
+            <a:r>
+              <a:rPr lang="es-ES" sz="6000" dirty="0" smtClean="0"/>
               <a:t>Situación 2 </a:t>
             </a:r>
-            <a:endParaRPr lang="es-ES" dirty="0"/>
+            <a:endParaRPr lang="es-ES" sz="6000" dirty="0"/>
           </a:p>
         </p:txBody>
       </p:sp>
@@ -3301,13 +3764,13 @@
             <p:ph idx="1"/>
             <p:extLst>
               <p:ext uri="{D42A27DB-BD31-4B8C-83A1-F6EECF244321}">
-                <p14:modId xmlns:p14="http://schemas.microsoft.com/office/powerpoint/2010/main" val="715191034"/>
+                <p14:modId xmlns:p14="http://schemas.microsoft.com/office/powerpoint/2010/main" val="2933271775"/>
               </p:ext>
             </p:extLst>
           </p:nvPr>
         </p:nvGraphicFramePr>
         <p:xfrm>
-          <a:off x="2628900" y="1690688"/>
+          <a:off x="2271092" y="1637680"/>
           <a:ext cx="7818119" cy="4572952"/>
         </p:xfrm>
         <a:graphic>
@@ -3631,12 +4094,12 @@
                         </a:spcAft>
                       </a:pPr>
                       <a:r>
-                        <a:rPr lang="es-ES" sz="1100">
+                        <a:rPr lang="es-ES" sz="1100" dirty="0">
                           <a:effectLst/>
                         </a:rPr>
                         <a:t>Herramientas SU (modelado Arquitectónico)</a:t>
                       </a:r>
-                      <a:endParaRPr lang="es-ES" sz="1100">
+                      <a:endParaRPr lang="es-ES" sz="1100" dirty="0">
                         <a:effectLst/>
                         <a:latin typeface="Arial" panose="020B0604020202020204" pitchFamily="34" charset="0"/>
                         <a:ea typeface="Calibri" panose="020F0502020204030204" pitchFamily="34" charset="0"/>
